--- a/6- Gerencia de Projetos/6.5 - Apresentacoes/SGS – SISTEMA DE GESTÃO SOCIAL (03-12).pptx
+++ b/6- Gerencia de Projetos/6.5 - Apresentacoes/SGS – SISTEMA DE GESTÃO SOCIAL (03-12).pptx
@@ -31,7 +31,7 @@
         </a:solidFill>
         <a:latin typeface="Arial" charset="0"/>
         <a:ea typeface="+mn-ea"/>
-        <a:cs typeface="+mn-cs"/>
+        <a:cs typeface="Arial" charset="0"/>
       </a:defRPr>
     </a:lvl1pPr>
     <a:lvl2pPr marL="457200" algn="l" rtl="0" fontAlgn="base">
@@ -47,7 +47,7 @@
         </a:solidFill>
         <a:latin typeface="Arial" charset="0"/>
         <a:ea typeface="+mn-ea"/>
-        <a:cs typeface="+mn-cs"/>
+        <a:cs typeface="Arial" charset="0"/>
       </a:defRPr>
     </a:lvl2pPr>
     <a:lvl3pPr marL="914400" algn="l" rtl="0" fontAlgn="base">
@@ -63,7 +63,7 @@
         </a:solidFill>
         <a:latin typeface="Arial" charset="0"/>
         <a:ea typeface="+mn-ea"/>
-        <a:cs typeface="+mn-cs"/>
+        <a:cs typeface="Arial" charset="0"/>
       </a:defRPr>
     </a:lvl3pPr>
     <a:lvl4pPr marL="1371600" algn="l" rtl="0" fontAlgn="base">
@@ -79,7 +79,7 @@
         </a:solidFill>
         <a:latin typeface="Arial" charset="0"/>
         <a:ea typeface="+mn-ea"/>
-        <a:cs typeface="+mn-cs"/>
+        <a:cs typeface="Arial" charset="0"/>
       </a:defRPr>
     </a:lvl4pPr>
     <a:lvl5pPr marL="1828800" algn="l" rtl="0" fontAlgn="base">
@@ -95,7 +95,7 @@
         </a:solidFill>
         <a:latin typeface="Arial" charset="0"/>
         <a:ea typeface="+mn-ea"/>
-        <a:cs typeface="+mn-cs"/>
+        <a:cs typeface="Arial" charset="0"/>
       </a:defRPr>
     </a:lvl5pPr>
     <a:lvl6pPr marL="2286000" algn="l" defTabSz="914400" rtl="0" eaLnBrk="1" latinLnBrk="0" hangingPunct="1">
@@ -105,7 +105,7 @@
         </a:solidFill>
         <a:latin typeface="Arial" charset="0"/>
         <a:ea typeface="+mn-ea"/>
-        <a:cs typeface="+mn-cs"/>
+        <a:cs typeface="Arial" charset="0"/>
       </a:defRPr>
     </a:lvl6pPr>
     <a:lvl7pPr marL="2743200" algn="l" defTabSz="914400" rtl="0" eaLnBrk="1" latinLnBrk="0" hangingPunct="1">
@@ -115,7 +115,7 @@
         </a:solidFill>
         <a:latin typeface="Arial" charset="0"/>
         <a:ea typeface="+mn-ea"/>
-        <a:cs typeface="+mn-cs"/>
+        <a:cs typeface="Arial" charset="0"/>
       </a:defRPr>
     </a:lvl7pPr>
     <a:lvl8pPr marL="3200400" algn="l" defTabSz="914400" rtl="0" eaLnBrk="1" latinLnBrk="0" hangingPunct="1">
@@ -125,7 +125,7 @@
         </a:solidFill>
         <a:latin typeface="Arial" charset="0"/>
         <a:ea typeface="+mn-ea"/>
-        <a:cs typeface="+mn-cs"/>
+        <a:cs typeface="Arial" charset="0"/>
       </a:defRPr>
     </a:lvl8pPr>
     <a:lvl9pPr marL="3657600" algn="l" defTabSz="914400" rtl="0" eaLnBrk="1" latinLnBrk="0" hangingPunct="1">
@@ -135,7 +135,7 @@
         </a:solidFill>
         <a:latin typeface="Arial" charset="0"/>
         <a:ea typeface="+mn-ea"/>
-        <a:cs typeface="+mn-cs"/>
+        <a:cs typeface="Arial" charset="0"/>
       </a:defRPr>
     </a:lvl9pPr>
   </p:defaultTextStyle>
@@ -328,12 +328,12 @@
             <a:pPr>
               <a:defRPr/>
             </a:pPr>
-            <a:fld id="{FB45545B-EFB4-4D1C-97B9-B52158421E1F}" type="datetimeFigureOut">
+            <a:fld id="{36EDD940-4C30-473F-87F8-452295527358}" type="datetimeFigureOut">
               <a:rPr lang="fr-FR"/>
               <a:pPr>
                 <a:defRPr/>
               </a:pPr>
-              <a:t>03/12/2010</a:t>
+              <a:t>04/12/2010</a:t>
             </a:fld>
             <a:endParaRPr lang="fr-FR"/>
           </a:p>
@@ -387,12 +387,12 @@
             <a:pPr>
               <a:defRPr/>
             </a:pPr>
-            <a:fld id="{49215ABD-F3C8-4BEA-AA13-B55032152A52}" type="slidenum">
+            <a:fld id="{836F6988-B665-433E-9C5A-3B624AC16299}" type="slidenum">
               <a:rPr lang="fr-FR"/>
               <a:pPr>
                 <a:defRPr/>
               </a:pPr>
-              <a:t>‹nº›</a:t>
+              <a:t>‹#›</a:t>
             </a:fld>
             <a:endParaRPr lang="fr-FR"/>
           </a:p>
@@ -520,12 +520,12 @@
             <a:pPr>
               <a:defRPr/>
             </a:pPr>
-            <a:fld id="{594107EB-C122-4248-92D9-E30D8D8C1E37}" type="datetimeFigureOut">
+            <a:fld id="{8D022E5E-4F84-49F3-8B7B-7557F32B7DB5}" type="datetimeFigureOut">
               <a:rPr lang="fr-FR"/>
               <a:pPr>
                 <a:defRPr/>
               </a:pPr>
-              <a:t>03/12/2010</a:t>
+              <a:t>04/12/2010</a:t>
             </a:fld>
             <a:endParaRPr lang="fr-FR"/>
           </a:p>
@@ -579,12 +579,12 @@
             <a:pPr>
               <a:defRPr/>
             </a:pPr>
-            <a:fld id="{E3F9BB6D-E001-4E17-9944-E82CB8ED9D67}" type="slidenum">
+            <a:fld id="{FDD377CF-E238-4983-9229-56A296A6741A}" type="slidenum">
               <a:rPr lang="fr-FR"/>
               <a:pPr>
                 <a:defRPr/>
               </a:pPr>
-              <a:t>‹nº›</a:t>
+              <a:t>‹#›</a:t>
             </a:fld>
             <a:endParaRPr lang="fr-FR"/>
           </a:p>
@@ -722,12 +722,12 @@
             <a:pPr>
               <a:defRPr/>
             </a:pPr>
-            <a:fld id="{183D337A-153D-4606-976C-844DE5F9967E}" type="datetimeFigureOut">
+            <a:fld id="{B308D046-E15E-49B2-9B1C-9A5BCD15D51F}" type="datetimeFigureOut">
               <a:rPr lang="fr-FR"/>
               <a:pPr>
                 <a:defRPr/>
               </a:pPr>
-              <a:t>03/12/2010</a:t>
+              <a:t>04/12/2010</a:t>
             </a:fld>
             <a:endParaRPr lang="fr-FR"/>
           </a:p>
@@ -781,12 +781,12 @@
             <a:pPr>
               <a:defRPr/>
             </a:pPr>
-            <a:fld id="{25497569-877E-4826-85CC-E6F92F7B4924}" type="slidenum">
+            <a:fld id="{FBA5A2CF-E908-4464-8588-7D1CD0CD1AFF}" type="slidenum">
               <a:rPr lang="fr-FR"/>
               <a:pPr>
                 <a:defRPr/>
               </a:pPr>
-              <a:t>‹nº›</a:t>
+              <a:t>‹#›</a:t>
             </a:fld>
             <a:endParaRPr lang="fr-FR"/>
           </a:p>
@@ -914,12 +914,12 @@
             <a:pPr>
               <a:defRPr/>
             </a:pPr>
-            <a:fld id="{7BCADFFB-6DD7-4379-A37F-29CEA4EB74AB}" type="datetimeFigureOut">
+            <a:fld id="{A6DB54CF-D21B-427E-9545-02E0DD8CDC69}" type="datetimeFigureOut">
               <a:rPr lang="fr-FR"/>
               <a:pPr>
                 <a:defRPr/>
               </a:pPr>
-              <a:t>03/12/2010</a:t>
+              <a:t>04/12/2010</a:t>
             </a:fld>
             <a:endParaRPr lang="fr-FR"/>
           </a:p>
@@ -973,12 +973,12 @@
             <a:pPr>
               <a:defRPr/>
             </a:pPr>
-            <a:fld id="{7713B864-F197-4082-B1D8-11C377971575}" type="slidenum">
+            <a:fld id="{D0272AA7-D8F3-455A-A94B-C201C0998123}" type="slidenum">
               <a:rPr lang="fr-FR"/>
               <a:pPr>
                 <a:defRPr/>
               </a:pPr>
-              <a:t>‹nº›</a:t>
+              <a:t>‹#›</a:t>
             </a:fld>
             <a:endParaRPr lang="fr-FR"/>
           </a:p>
@@ -1182,12 +1182,12 @@
             <a:pPr>
               <a:defRPr/>
             </a:pPr>
-            <a:fld id="{70187755-8FBE-45A5-93CC-0650AF900F46}" type="datetimeFigureOut">
+            <a:fld id="{BB9E5559-0A44-4EEB-978A-E0F62FE238BE}" type="datetimeFigureOut">
               <a:rPr lang="fr-FR"/>
               <a:pPr>
                 <a:defRPr/>
               </a:pPr>
-              <a:t>03/12/2010</a:t>
+              <a:t>04/12/2010</a:t>
             </a:fld>
             <a:endParaRPr lang="fr-FR"/>
           </a:p>
@@ -1241,12 +1241,12 @@
             <a:pPr>
               <a:defRPr/>
             </a:pPr>
-            <a:fld id="{2A4726C2-5B87-44E5-9D19-0DB416DDABA0}" type="slidenum">
+            <a:fld id="{6339689B-5F4C-4BBA-9391-6FDC90D92D9A}" type="slidenum">
               <a:rPr lang="fr-FR"/>
               <a:pPr>
                 <a:defRPr/>
               </a:pPr>
-              <a:t>‹nº›</a:t>
+              <a:t>‹#›</a:t>
             </a:fld>
             <a:endParaRPr lang="fr-FR"/>
           </a:p>
@@ -1492,12 +1492,12 @@
             <a:pPr>
               <a:defRPr/>
             </a:pPr>
-            <a:fld id="{CE5F6218-2935-4AE8-BACB-7B43C1C1D290}" type="datetimeFigureOut">
+            <a:fld id="{C8E71322-74A5-45DE-B153-E581DB68E993}" type="datetimeFigureOut">
               <a:rPr lang="fr-FR"/>
               <a:pPr>
                 <a:defRPr/>
               </a:pPr>
-              <a:t>03/12/2010</a:t>
+              <a:t>04/12/2010</a:t>
             </a:fld>
             <a:endParaRPr lang="fr-FR"/>
           </a:p>
@@ -1551,12 +1551,12 @@
             <a:pPr>
               <a:defRPr/>
             </a:pPr>
-            <a:fld id="{E9961DF3-E202-48AE-86DA-E564A8A66FD7}" type="slidenum">
+            <a:fld id="{A276A073-7D7E-4040-8106-172C75E956F2}" type="slidenum">
               <a:rPr lang="fr-FR"/>
               <a:pPr>
                 <a:defRPr/>
               </a:pPr>
-              <a:t>‹nº›</a:t>
+              <a:t>‹#›</a:t>
             </a:fld>
             <a:endParaRPr lang="fr-FR"/>
           </a:p>
@@ -1936,12 +1936,12 @@
             <a:pPr>
               <a:defRPr/>
             </a:pPr>
-            <a:fld id="{BC8D0B47-8D75-41D5-B2A4-B62F8CBC9A8F}" type="datetimeFigureOut">
+            <a:fld id="{76C6327E-71D0-4DCF-9683-6A5B11FAFDCB}" type="datetimeFigureOut">
               <a:rPr lang="fr-FR"/>
               <a:pPr>
                 <a:defRPr/>
               </a:pPr>
-              <a:t>03/12/2010</a:t>
+              <a:t>04/12/2010</a:t>
             </a:fld>
             <a:endParaRPr lang="fr-FR"/>
           </a:p>
@@ -1995,12 +1995,12 @@
             <a:pPr>
               <a:defRPr/>
             </a:pPr>
-            <a:fld id="{9363A18E-96A2-4217-920A-5DB633BEE1F9}" type="slidenum">
+            <a:fld id="{FBF62ED3-4055-4345-B9BC-C8912E6EC090}" type="slidenum">
               <a:rPr lang="fr-FR"/>
               <a:pPr>
                 <a:defRPr/>
               </a:pPr>
-              <a:t>‹nº›</a:t>
+              <a:t>‹#›</a:t>
             </a:fld>
             <a:endParaRPr lang="fr-FR"/>
           </a:p>
@@ -2076,12 +2076,12 @@
             <a:pPr>
               <a:defRPr/>
             </a:pPr>
-            <a:fld id="{258375B0-B7EC-4612-9E85-33BF27F60207}" type="datetimeFigureOut">
+            <a:fld id="{F48C6FF3-77C7-4F71-A13F-B99830183B72}" type="datetimeFigureOut">
               <a:rPr lang="fr-FR"/>
               <a:pPr>
                 <a:defRPr/>
               </a:pPr>
-              <a:t>03/12/2010</a:t>
+              <a:t>04/12/2010</a:t>
             </a:fld>
             <a:endParaRPr lang="fr-FR"/>
           </a:p>
@@ -2135,12 +2135,12 @@
             <a:pPr>
               <a:defRPr/>
             </a:pPr>
-            <a:fld id="{A5345245-DC9A-4A3B-9A82-3CA9FA589D22}" type="slidenum">
+            <a:fld id="{CD1B84E5-F4BD-4868-9DF0-5A45855BAFB9}" type="slidenum">
               <a:rPr lang="fr-FR"/>
               <a:pPr>
                 <a:defRPr/>
               </a:pPr>
-              <a:t>‹nº›</a:t>
+              <a:t>‹#›</a:t>
             </a:fld>
             <a:endParaRPr lang="fr-FR"/>
           </a:p>
@@ -2193,12 +2193,12 @@
             <a:pPr>
               <a:defRPr/>
             </a:pPr>
-            <a:fld id="{416810F3-2214-48BA-AB81-B86FA5FECBE2}" type="datetimeFigureOut">
+            <a:fld id="{04905CC3-7DD9-4619-AE66-AC18A4113A5A}" type="datetimeFigureOut">
               <a:rPr lang="fr-FR"/>
               <a:pPr>
                 <a:defRPr/>
               </a:pPr>
-              <a:t>03/12/2010</a:t>
+              <a:t>04/12/2010</a:t>
             </a:fld>
             <a:endParaRPr lang="fr-FR"/>
           </a:p>
@@ -2252,12 +2252,12 @@
             <a:pPr>
               <a:defRPr/>
             </a:pPr>
-            <a:fld id="{284FE7B7-9A7C-4D25-B17D-EF27ED548A2E}" type="slidenum">
+            <a:fld id="{39B51B3E-8480-4C97-AB37-E61CA36E9C74}" type="slidenum">
               <a:rPr lang="fr-FR"/>
               <a:pPr>
                 <a:defRPr/>
               </a:pPr>
-              <a:t>‹nº›</a:t>
+              <a:t>‹#›</a:t>
             </a:fld>
             <a:endParaRPr lang="fr-FR"/>
           </a:p>
@@ -2492,12 +2492,12 @@
             <a:pPr>
               <a:defRPr/>
             </a:pPr>
-            <a:fld id="{C9605A23-86F9-45B7-B3DC-D08487936B1E}" type="datetimeFigureOut">
+            <a:fld id="{708B8F57-F93F-4E94-B434-202F215C7F00}" type="datetimeFigureOut">
               <a:rPr lang="fr-FR"/>
               <a:pPr>
                 <a:defRPr/>
               </a:pPr>
-              <a:t>03/12/2010</a:t>
+              <a:t>04/12/2010</a:t>
             </a:fld>
             <a:endParaRPr lang="fr-FR"/>
           </a:p>
@@ -2551,12 +2551,12 @@
             <a:pPr>
               <a:defRPr/>
             </a:pPr>
-            <a:fld id="{BE68818F-54A1-467B-9C23-C71FDC6E1444}" type="slidenum">
+            <a:fld id="{49DD47AC-FD6A-4A34-A6CB-A5FB5FE69607}" type="slidenum">
               <a:rPr lang="fr-FR"/>
               <a:pPr>
                 <a:defRPr/>
               </a:pPr>
-              <a:t>‹nº›</a:t>
+              <a:t>‹#›</a:t>
             </a:fld>
             <a:endParaRPr lang="fr-FR"/>
           </a:p>
@@ -2774,12 +2774,12 @@
             <a:pPr>
               <a:defRPr/>
             </a:pPr>
-            <a:fld id="{B65633F2-9F7A-420B-A1CD-65D318F1DFE5}" type="datetimeFigureOut">
+            <a:fld id="{D6AF9710-7559-448D-84BA-3588A5067BC8}" type="datetimeFigureOut">
               <a:rPr lang="fr-FR"/>
               <a:pPr>
                 <a:defRPr/>
               </a:pPr>
-              <a:t>03/12/2010</a:t>
+              <a:t>04/12/2010</a:t>
             </a:fld>
             <a:endParaRPr lang="fr-FR"/>
           </a:p>
@@ -2833,12 +2833,12 @@
             <a:pPr>
               <a:defRPr/>
             </a:pPr>
-            <a:fld id="{25882D42-4287-4436-A20F-BEE4B9D1E959}" type="slidenum">
+            <a:fld id="{963EFAC6-E030-4F3B-8AE2-A6A8CBFB7C6B}" type="slidenum">
               <a:rPr lang="fr-FR"/>
               <a:pPr>
                 <a:defRPr/>
               </a:pPr>
-              <a:t>‹nº›</a:t>
+              <a:t>‹#›</a:t>
             </a:fld>
             <a:endParaRPr lang="fr-FR"/>
           </a:p>
@@ -3015,13 +3015,14 @@
               <a:spcAft>
                 <a:spcPts val="0"/>
               </a:spcAft>
-              <a:defRPr sz="1200" smtClean="0">
+              <a:defRPr sz="1200">
                 <a:solidFill>
                   <a:schemeClr val="tx1">
                     <a:tint val="75000"/>
                   </a:schemeClr>
                 </a:solidFill>
                 <a:latin typeface="+mn-lt"/>
+                <a:cs typeface="+mn-cs"/>
               </a:defRPr>
             </a:lvl1pPr>
           </a:lstStyle>
@@ -3029,12 +3030,12 @@
             <a:pPr>
               <a:defRPr/>
             </a:pPr>
-            <a:fld id="{2B0D4079-94F3-4787-B187-D6B5DD8DE224}" type="datetimeFigureOut">
+            <a:fld id="{9AFB237C-D67F-463C-B568-F80E083C4FE6}" type="datetimeFigureOut">
               <a:rPr lang="fr-FR"/>
               <a:pPr>
                 <a:defRPr/>
               </a:pPr>
-              <a:t>03/12/2010</a:t>
+              <a:t>04/12/2010</a:t>
             </a:fld>
             <a:endParaRPr lang="fr-FR"/>
           </a:p>
@@ -3069,13 +3070,14 @@
               <a:spcAft>
                 <a:spcPts val="0"/>
               </a:spcAft>
-              <a:defRPr sz="1200" smtClean="0">
+              <a:defRPr sz="1200">
                 <a:solidFill>
                   <a:schemeClr val="tx1">
                     <a:tint val="75000"/>
                   </a:schemeClr>
                 </a:solidFill>
                 <a:latin typeface="+mn-lt"/>
+                <a:cs typeface="+mn-cs"/>
               </a:defRPr>
             </a:lvl1pPr>
           </a:lstStyle>
@@ -3116,13 +3118,14 @@
               <a:spcAft>
                 <a:spcPts val="0"/>
               </a:spcAft>
-              <a:defRPr sz="1200" smtClean="0">
+              <a:defRPr sz="1200">
                 <a:solidFill>
                   <a:schemeClr val="tx1">
                     <a:tint val="75000"/>
                   </a:schemeClr>
                 </a:solidFill>
                 <a:latin typeface="+mn-lt"/>
+                <a:cs typeface="+mn-cs"/>
               </a:defRPr>
             </a:lvl1pPr>
           </a:lstStyle>
@@ -3130,12 +3133,12 @@
             <a:pPr>
               <a:defRPr/>
             </a:pPr>
-            <a:fld id="{DBE187B7-2F50-421D-B27C-841278C294C4}" type="slidenum">
+            <a:fld id="{63527146-2866-490F-9B43-B57C3BD916AB}" type="slidenum">
               <a:rPr lang="fr-FR"/>
               <a:pPr>
                 <a:defRPr/>
               </a:pPr>
-              <a:t>‹nº›</a:t>
+              <a:t>‹#›</a:t>
             </a:fld>
             <a:endParaRPr lang="fr-FR"/>
           </a:p>
@@ -3159,7 +3162,7 @@
   </p:sldLayoutIdLst>
   <p:txStyles>
     <p:titleStyle>
-      <a:lvl1pPr algn="ctr" rtl="0" eaLnBrk="1" fontAlgn="base" hangingPunct="1">
+      <a:lvl1pPr algn="ctr" rtl="0" fontAlgn="base">
         <a:spcBef>
           <a:spcPct val="0"/>
         </a:spcBef>
@@ -3175,7 +3178,7 @@
           <a:cs typeface="+mj-cs"/>
         </a:defRPr>
       </a:lvl1pPr>
-      <a:lvl2pPr algn="ctr" rtl="0" eaLnBrk="1" fontAlgn="base" hangingPunct="1">
+      <a:lvl2pPr algn="ctr" rtl="0" fontAlgn="base">
         <a:spcBef>
           <a:spcPct val="0"/>
         </a:spcBef>
@@ -3189,7 +3192,7 @@
           <a:latin typeface="Calibri" pitchFamily="34" charset="0"/>
         </a:defRPr>
       </a:lvl2pPr>
-      <a:lvl3pPr algn="ctr" rtl="0" eaLnBrk="1" fontAlgn="base" hangingPunct="1">
+      <a:lvl3pPr algn="ctr" rtl="0" fontAlgn="base">
         <a:spcBef>
           <a:spcPct val="0"/>
         </a:spcBef>
@@ -3203,7 +3206,7 @@
           <a:latin typeface="Calibri" pitchFamily="34" charset="0"/>
         </a:defRPr>
       </a:lvl3pPr>
-      <a:lvl4pPr algn="ctr" rtl="0" eaLnBrk="1" fontAlgn="base" hangingPunct="1">
+      <a:lvl4pPr algn="ctr" rtl="0" fontAlgn="base">
         <a:spcBef>
           <a:spcPct val="0"/>
         </a:spcBef>
@@ -3217,7 +3220,7 @@
           <a:latin typeface="Calibri" pitchFamily="34" charset="0"/>
         </a:defRPr>
       </a:lvl4pPr>
-      <a:lvl5pPr algn="ctr" rtl="0" eaLnBrk="1" fontAlgn="base" hangingPunct="1">
+      <a:lvl5pPr algn="ctr" rtl="0" fontAlgn="base">
         <a:spcBef>
           <a:spcPct val="0"/>
         </a:spcBef>
@@ -3289,7 +3292,7 @@
       </a:lvl9pPr>
     </p:titleStyle>
     <p:bodyStyle>
-      <a:lvl1pPr marL="342900" indent="-342900" algn="l" rtl="0" eaLnBrk="1" fontAlgn="base" hangingPunct="1">
+      <a:lvl1pPr marL="342900" indent="-342900" algn="l" rtl="0" fontAlgn="base">
         <a:spcBef>
           <a:spcPct val="20000"/>
         </a:spcBef>
@@ -3307,7 +3310,7 @@
           <a:cs typeface="+mn-cs"/>
         </a:defRPr>
       </a:lvl1pPr>
-      <a:lvl2pPr marL="742950" indent="-285750" algn="l" rtl="0" eaLnBrk="1" fontAlgn="base" hangingPunct="1">
+      <a:lvl2pPr marL="742950" indent="-285750" algn="l" rtl="0" fontAlgn="base">
         <a:spcBef>
           <a:spcPct val="20000"/>
         </a:spcBef>
@@ -3325,7 +3328,7 @@
           <a:cs typeface="+mn-cs"/>
         </a:defRPr>
       </a:lvl2pPr>
-      <a:lvl3pPr marL="1143000" indent="-228600" algn="l" rtl="0" eaLnBrk="1" fontAlgn="base" hangingPunct="1">
+      <a:lvl3pPr marL="1143000" indent="-228600" algn="l" rtl="0" fontAlgn="base">
         <a:spcBef>
           <a:spcPct val="20000"/>
         </a:spcBef>
@@ -3343,7 +3346,7 @@
           <a:cs typeface="+mn-cs"/>
         </a:defRPr>
       </a:lvl3pPr>
-      <a:lvl4pPr marL="1600200" indent="-228600" algn="l" rtl="0" eaLnBrk="1" fontAlgn="base" hangingPunct="1">
+      <a:lvl4pPr marL="1600200" indent="-228600" algn="l" rtl="0" fontAlgn="base">
         <a:spcBef>
           <a:spcPct val="20000"/>
         </a:spcBef>
@@ -3361,7 +3364,7 @@
           <a:cs typeface="+mn-cs"/>
         </a:defRPr>
       </a:lvl4pPr>
-      <a:lvl5pPr marL="2057400" indent="-228600" algn="l" rtl="0" eaLnBrk="1" fontAlgn="base" hangingPunct="1">
+      <a:lvl5pPr marL="2057400" indent="-228600" algn="l" rtl="0" fontAlgn="base">
         <a:spcBef>
           <a:spcPct val="20000"/>
         </a:spcBef>
@@ -3580,14 +3583,17 @@
         </p:nvSpPr>
         <p:spPr>
           <a:xfrm>
-            <a:off x="642910" y="928670"/>
-            <a:ext cx="8143932" cy="1470025"/>
+            <a:off x="642938" y="928688"/>
+            <a:ext cx="8143875" cy="1470025"/>
           </a:xfrm>
         </p:spPr>
         <p:txBody>
           <a:bodyPr/>
           <a:lstStyle/>
           <a:p>
+            <a:pPr>
+              <a:defRPr/>
+            </a:pPr>
             <a:r>
               <a:rPr lang="fr-CA" b="1" dirty="0" smtClean="0">
                 <a:solidFill>
@@ -3622,7 +3628,7 @@
       </p:sp>
       <p:sp>
         <p:nvSpPr>
-          <p:cNvPr id="2051" name="Sous-titre 2"/>
+          <p:cNvPr id="13315" name="Sous-titre 2"/>
           <p:cNvSpPr>
             <a:spLocks noGrp="1"/>
           </p:cNvSpPr>
@@ -3632,8 +3638,8 @@
         </p:nvSpPr>
         <p:spPr>
           <a:xfrm>
-            <a:off x="785786" y="2643182"/>
-            <a:ext cx="7572428" cy="1752600"/>
+            <a:off x="785813" y="2643188"/>
+            <a:ext cx="7572375" cy="1752600"/>
           </a:xfrm>
         </p:spPr>
         <p:txBody>
@@ -3641,11 +3647,11 @@
           <a:lstStyle/>
           <a:p>
             <a:pPr lvl="1" algn="l">
-              <a:buFont typeface="Arno Pro Light Display" pitchFamily="18" charset="0"/>
+              <a:buFont typeface="Arno Pro Light Display"/>
               <a:buChar char="–"/>
             </a:pPr>
             <a:r>
-              <a:rPr lang="pt-BR" sz="3200" dirty="0" smtClean="0">
+              <a:rPr lang="pt-BR" sz="3200" smtClean="0">
                 <a:solidFill>
                   <a:srgbClr val="42607C"/>
                 </a:solidFill>
@@ -3655,11 +3661,11 @@
           </a:p>
           <a:p>
             <a:pPr lvl="1" algn="l">
-              <a:buFont typeface="Arno Pro Light Display" pitchFamily="18" charset="0"/>
+              <a:buFont typeface="Arno Pro Light Display"/>
               <a:buChar char="–"/>
             </a:pPr>
             <a:r>
-              <a:rPr lang="pt-BR" sz="3200" dirty="0" smtClean="0">
+              <a:rPr lang="pt-BR" sz="3200" smtClean="0">
                 <a:solidFill>
                   <a:srgbClr val="42607C"/>
                 </a:solidFill>
@@ -3669,11 +3675,11 @@
           </a:p>
           <a:p>
             <a:pPr lvl="1" algn="l">
-              <a:buFont typeface="Arno Pro Light Display" pitchFamily="18" charset="0"/>
+              <a:buFont typeface="Arno Pro Light Display"/>
               <a:buChar char="–"/>
             </a:pPr>
             <a:r>
-              <a:rPr lang="pt-BR" sz="3200" dirty="0" smtClean="0">
+              <a:rPr lang="pt-BR" sz="3200" smtClean="0">
                 <a:solidFill>
                   <a:srgbClr val="42607C"/>
                 </a:solidFill>
@@ -3683,11 +3689,11 @@
           </a:p>
           <a:p>
             <a:pPr lvl="1" algn="l">
-              <a:buFont typeface="Arno Pro Light Display" pitchFamily="18" charset="0"/>
+              <a:buFont typeface="Arno Pro Light Display"/>
               <a:buChar char="–"/>
             </a:pPr>
             <a:r>
-              <a:rPr lang="pt-BR" sz="3200" dirty="0" smtClean="0">
+              <a:rPr lang="pt-BR" sz="3200" smtClean="0">
                 <a:solidFill>
                   <a:srgbClr val="42607C"/>
                 </a:solidFill>
@@ -3761,7 +3767,9 @@
           <a:bodyPr/>
           <a:lstStyle/>
           <a:p>
-            <a:pPr algn="l"/>
+            <a:pPr algn="l">
+              <a:defRPr/>
+            </a:pPr>
             <a:r>
               <a:rPr lang="fr-CA" dirty="0" smtClean="0">
                 <a:solidFill>
@@ -3796,7 +3804,7 @@
       </p:sp>
       <p:sp>
         <p:nvSpPr>
-          <p:cNvPr id="3075" name="Espace réservé du contenu 2"/>
+          <p:cNvPr id="14339" name="Espace réservé du contenu 2"/>
           <p:cNvSpPr>
             <a:spLocks noGrp="1"/>
           </p:cNvSpPr>
@@ -3815,7 +3823,7 @@
           <a:lstStyle/>
           <a:p>
             <a:r>
-              <a:rPr lang="fr-FR" dirty="0" smtClean="0">
+              <a:rPr lang="fr-FR" smtClean="0">
                 <a:solidFill>
                   <a:srgbClr val="42607C"/>
                 </a:solidFill>
@@ -3825,7 +3833,7 @@
           </a:p>
           <a:p>
             <a:r>
-              <a:rPr lang="fr-FR" dirty="0" smtClean="0">
+              <a:rPr lang="fr-FR" smtClean="0">
                 <a:solidFill>
                   <a:srgbClr val="42607C"/>
                 </a:solidFill>
@@ -3835,7 +3843,7 @@
           </a:p>
           <a:p>
             <a:r>
-              <a:rPr lang="fr-FR" dirty="0" smtClean="0">
+              <a:rPr lang="fr-FR" smtClean="0">
                 <a:solidFill>
                   <a:srgbClr val="42607C"/>
                 </a:solidFill>
@@ -3845,7 +3853,7 @@
           </a:p>
           <a:p>
             <a:r>
-              <a:rPr lang="fr-FR" dirty="0" smtClean="0">
+              <a:rPr lang="fr-FR" smtClean="0">
                 <a:solidFill>
                   <a:srgbClr val="42607C"/>
                 </a:solidFill>
@@ -3914,6 +3922,9 @@
           <a:bodyPr/>
           <a:lstStyle/>
           <a:p>
+            <a:pPr>
+              <a:defRPr/>
+            </a:pPr>
             <a:r>
               <a:rPr lang="fr-CA" dirty="0" smtClean="0">
                 <a:solidFill>
@@ -3942,7 +3953,7 @@
       </p:sp>
       <p:sp>
         <p:nvSpPr>
-          <p:cNvPr id="4099" name="Espace réservé du contenu 2"/>
+          <p:cNvPr id="15363" name="Espace réservé du contenu 2"/>
           <p:cNvSpPr>
             <a:spLocks noGrp="1"/>
           </p:cNvSpPr>
@@ -3952,8 +3963,8 @@
         </p:nvSpPr>
         <p:spPr>
           <a:xfrm>
-            <a:off x="428596" y="2786058"/>
-            <a:ext cx="8229600" cy="2811471"/>
+            <a:off x="428625" y="2786063"/>
+            <a:ext cx="8229600" cy="2811462"/>
           </a:xfrm>
         </p:spPr>
         <p:txBody>
@@ -3961,27 +3972,23 @@
           <a:lstStyle/>
           <a:p>
             <a:pPr algn="just">
-              <a:buNone/>
-            </a:pPr>
-            <a:r>
-              <a:rPr lang="pt-BR" dirty="0" smtClean="0">
+              <a:lnSpc>
+                <a:spcPct val="110000"/>
+              </a:lnSpc>
+              <a:buFont typeface="Arial" charset="0"/>
+              <a:buNone/>
+            </a:pPr>
+            <a:r>
+              <a:rPr lang="pt-BR" smtClean="0">
                 <a:solidFill>
                   <a:srgbClr val="42607C"/>
                 </a:solidFill>
               </a:rPr>
-              <a:t>	O </a:t>
-            </a:r>
-            <a:r>
-              <a:rPr lang="pt-BR" dirty="0" smtClean="0">
-                <a:solidFill>
-                  <a:srgbClr val="42607C"/>
-                </a:solidFill>
-              </a:rPr>
-              <a:t>Sistema de Gestão Social foi desenvolvido para suprir as necessidades de uma Casa Lar que enfrentam problemas em sua administração. </a:t>
-            </a:r>
-          </a:p>
-          <a:p>
-            <a:endParaRPr lang="fr-FR" dirty="0" smtClean="0">
+              <a:t>	O Sistema de Gestão Social foi desenvolvido para suprir as necessidades de uma Casa Lar que enfrentam problemas em sua administração. </a:t>
+            </a:r>
+          </a:p>
+          <a:p>
+            <a:endParaRPr lang="fr-FR" smtClean="0">
               <a:solidFill>
                 <a:srgbClr val="42607C"/>
               </a:solidFill>
@@ -4053,6 +4060,9 @@
           <a:bodyPr/>
           <a:lstStyle/>
           <a:p>
+            <a:pPr>
+              <a:defRPr/>
+            </a:pPr>
             <a:r>
               <a:rPr lang="fr-CA" dirty="0" smtClean="0">
                 <a:solidFill>
@@ -4087,7 +4097,7 @@
       </p:sp>
       <p:sp>
         <p:nvSpPr>
-          <p:cNvPr id="3075" name="Espace réservé du contenu 2"/>
+          <p:cNvPr id="16387" name="Espace réservé du contenu 2"/>
           <p:cNvSpPr>
             <a:spLocks noGrp="1"/>
           </p:cNvSpPr>
@@ -4097,8 +4107,8 @@
         </p:nvSpPr>
         <p:spPr>
           <a:xfrm>
-            <a:off x="1928794" y="1600201"/>
-            <a:ext cx="6758006" cy="4472005"/>
+            <a:off x="1928813" y="1600200"/>
+            <a:ext cx="6757987" cy="4471988"/>
           </a:xfrm>
         </p:spPr>
         <p:txBody>
@@ -4106,103 +4116,72 @@
           <a:lstStyle/>
           <a:p>
             <a:pPr algn="just">
-              <a:buNone/>
-            </a:pPr>
-            <a:r>
-              <a:rPr lang="pt-BR" sz="2800" dirty="0" smtClean="0">
+              <a:lnSpc>
+                <a:spcPct val="110000"/>
+              </a:lnSpc>
+              <a:buFont typeface="Arial" charset="0"/>
+              <a:buNone/>
+            </a:pPr>
+            <a:r>
+              <a:rPr lang="pt-BR" sz="2800" smtClean="0">
                 <a:solidFill>
                   <a:srgbClr val="42607C"/>
                 </a:solidFill>
               </a:rPr>
-              <a:t>    </a:t>
-            </a:r>
-            <a:r>
-              <a:rPr lang="pt-BR" sz="2800" dirty="0" smtClean="0">
-                <a:solidFill>
-                  <a:srgbClr val="42607C"/>
-                </a:solidFill>
-              </a:rPr>
-              <a:t>- </a:t>
-            </a:r>
-            <a:r>
-              <a:rPr lang="pt-BR" sz="2800" dirty="0" smtClean="0">
-                <a:solidFill>
-                  <a:srgbClr val="42607C"/>
-                </a:solidFill>
-              </a:rPr>
-              <a:t>Gerenciamento das atividades da Casa Lar</a:t>
-            </a:r>
-            <a:endParaRPr lang="pt-BR" sz="2800" dirty="0" smtClean="0">
-              <a:solidFill>
-                <a:srgbClr val="42607C"/>
-              </a:solidFill>
-            </a:endParaRPr>
+              <a:t>    - Gerenciamento das atividades da Casa Lar</a:t>
+            </a:r>
           </a:p>
           <a:p>
             <a:pPr algn="just">
-              <a:buNone/>
-            </a:pPr>
-            <a:r>
-              <a:rPr lang="pt-BR" sz="2800" dirty="0" smtClean="0">
+              <a:lnSpc>
+                <a:spcPct val="110000"/>
+              </a:lnSpc>
+              <a:buFont typeface="Arial" charset="0"/>
+              <a:buNone/>
+            </a:pPr>
+            <a:r>
+              <a:rPr lang="pt-BR" sz="2800" smtClean="0">
                 <a:solidFill>
                   <a:srgbClr val="42607C"/>
                 </a:solidFill>
               </a:rPr>
               <a:t>	- Gerenciamento dos Assistidos, através de cadastros e consultas.</a:t>
             </a:r>
-            <a:endParaRPr lang="pt-BR" sz="2800" dirty="0" smtClean="0">
-              <a:solidFill>
-                <a:srgbClr val="42607C"/>
-              </a:solidFill>
-            </a:endParaRPr>
           </a:p>
           <a:p>
             <a:pPr algn="just">
-              <a:buNone/>
-            </a:pPr>
-            <a:r>
-              <a:rPr lang="pt-BR" sz="2800" dirty="0" smtClean="0">
+              <a:lnSpc>
+                <a:spcPct val="110000"/>
+              </a:lnSpc>
+              <a:buFont typeface="Arial" charset="0"/>
+              <a:buNone/>
+            </a:pPr>
+            <a:r>
+              <a:rPr lang="pt-BR" sz="2800" smtClean="0">
                 <a:solidFill>
                   <a:srgbClr val="42607C"/>
                 </a:solidFill>
               </a:rPr>
               <a:t>	- Controle Financeiro e Orçamentário, possibilitando o lançamento de despesas e receitas.</a:t>
             </a:r>
-            <a:endParaRPr lang="pt-BR" sz="2800" dirty="0" smtClean="0">
-              <a:solidFill>
-                <a:srgbClr val="42607C"/>
-              </a:solidFill>
-            </a:endParaRPr>
           </a:p>
           <a:p>
             <a:pPr algn="just">
-              <a:buNone/>
-            </a:pPr>
-            <a:r>
-              <a:rPr lang="pt-BR" sz="2800" dirty="0" smtClean="0">
+              <a:lnSpc>
+                <a:spcPct val="110000"/>
+              </a:lnSpc>
+              <a:buFont typeface="Arial" charset="0"/>
+              <a:buNone/>
+            </a:pPr>
+            <a:r>
+              <a:rPr lang="pt-BR" sz="2800" smtClean="0">
                 <a:solidFill>
                   <a:srgbClr val="42607C"/>
                 </a:solidFill>
               </a:rPr>
-              <a:t>	- </a:t>
-            </a:r>
-            <a:r>
-              <a:rPr lang="pt-BR" sz="2800" dirty="0" smtClean="0">
-                <a:solidFill>
-                  <a:srgbClr val="42607C"/>
-                </a:solidFill>
-              </a:rPr>
-              <a:t>Geração de </a:t>
-            </a:r>
-            <a:r>
-              <a:rPr lang="pt-BR" sz="2800" dirty="0" smtClean="0">
-                <a:solidFill>
-                  <a:srgbClr val="42607C"/>
-                </a:solidFill>
-              </a:rPr>
-              <a:t>Relatórios de Assistidos e de Finanças.</a:t>
-            </a:r>
-            <a:endParaRPr lang="fr-FR" sz="2800" dirty="0" smtClean="0">
+              <a:t>	- Geração de Relatórios de Assistidos e de Finanças.</a:t>
+            </a:r>
+            <a:endParaRPr lang="fr-FR" sz="2800" smtClean="0">
               <a:solidFill>
                 <a:srgbClr val="42607C"/>
               </a:solidFill>
@@ -4269,6 +4248,9 @@
           <a:bodyPr/>
           <a:lstStyle/>
           <a:p>
+            <a:pPr>
+              <a:defRPr/>
+            </a:pPr>
             <a:r>
               <a:rPr lang="fr-CA" dirty="0" smtClean="0">
                 <a:solidFill>
@@ -4297,7 +4279,7 @@
       </p:sp>
       <p:sp>
         <p:nvSpPr>
-          <p:cNvPr id="4099" name="Espace réservé du contenu 2"/>
+          <p:cNvPr id="17411" name="Espace réservé du contenu 2"/>
           <p:cNvSpPr>
             <a:spLocks noGrp="1"/>
           </p:cNvSpPr>
@@ -4307,8 +4289,8 @@
         </p:nvSpPr>
         <p:spPr>
           <a:xfrm>
-            <a:off x="214282" y="2428868"/>
-            <a:ext cx="8572560" cy="3382975"/>
+            <a:off x="214313" y="2428875"/>
+            <a:ext cx="8572500" cy="3382963"/>
           </a:xfrm>
         </p:spPr>
         <p:txBody>
@@ -4316,91 +4298,61 @@
           <a:lstStyle/>
           <a:p>
             <a:pPr algn="just">
-              <a:buNone/>
-            </a:pPr>
-            <a:r>
-              <a:rPr lang="pt-BR" dirty="0" smtClean="0">
+              <a:lnSpc>
+                <a:spcPct val="110000"/>
+              </a:lnSpc>
+              <a:buFont typeface="Arial" charset="0"/>
+              <a:buNone/>
+            </a:pPr>
+            <a:r>
+              <a:rPr lang="pt-BR" smtClean="0">
                 <a:solidFill>
                   <a:srgbClr val="42607C"/>
                 </a:solidFill>
               </a:rPr>
-              <a:t>	</a:t>
-            </a:r>
-            <a:r>
-              <a:rPr lang="pt-BR" dirty="0" smtClean="0">
+              <a:t>	- Entrevistas com gerentes, funcionários e voluntários de Ações Sociais</a:t>
+            </a:r>
+          </a:p>
+          <a:p>
+            <a:pPr algn="just">
+              <a:lnSpc>
+                <a:spcPct val="110000"/>
+              </a:lnSpc>
+              <a:buFont typeface="Arial" charset="0"/>
+              <a:buNone/>
+            </a:pPr>
+            <a:r>
+              <a:rPr lang="pt-BR" smtClean="0">
                 <a:solidFill>
                   <a:srgbClr val="42607C"/>
                 </a:solidFill>
               </a:rPr>
-              <a:t>- Entrevistas </a:t>
-            </a:r>
-            <a:r>
-              <a:rPr lang="pt-BR" dirty="0" smtClean="0">
+              <a:t>	- Realização de diversos tipos de pesquisas (Internet, Estatuto, Sistemas)</a:t>
+            </a:r>
+          </a:p>
+          <a:p>
+            <a:pPr algn="just">
+              <a:lnSpc>
+                <a:spcPct val="110000"/>
+              </a:lnSpc>
+              <a:buFont typeface="Arial" charset="0"/>
+              <a:buNone/>
+            </a:pPr>
+            <a:r>
+              <a:rPr lang="pt-BR" smtClean="0">
                 <a:solidFill>
                   <a:srgbClr val="42607C"/>
                 </a:solidFill>
               </a:rPr>
-              <a:t>com gerentes, </a:t>
-            </a:r>
-            <a:r>
-              <a:rPr lang="pt-BR" dirty="0" smtClean="0">
-                <a:solidFill>
-                  <a:srgbClr val="42607C"/>
-                </a:solidFill>
-              </a:rPr>
-              <a:t>funcionários </a:t>
-            </a:r>
-            <a:r>
-              <a:rPr lang="pt-BR" dirty="0" smtClean="0">
-                <a:solidFill>
-                  <a:srgbClr val="42607C"/>
-                </a:solidFill>
-              </a:rPr>
-              <a:t>e voluntários de Ações Sociais</a:t>
-            </a:r>
-          </a:p>
-          <a:p>
-            <a:pPr algn="just">
-              <a:buNone/>
-            </a:pPr>
-            <a:r>
-              <a:rPr lang="pt-BR" dirty="0" smtClean="0">
-                <a:solidFill>
-                  <a:srgbClr val="42607C"/>
-                </a:solidFill>
-              </a:rPr>
-              <a:t>	- Realização </a:t>
-            </a:r>
-            <a:r>
-              <a:rPr lang="pt-BR" dirty="0" smtClean="0">
-                <a:solidFill>
-                  <a:srgbClr val="42607C"/>
-                </a:solidFill>
-              </a:rPr>
-              <a:t>de diversos tipos de pesquisas (Livros, Internet, ECA)</a:t>
-            </a:r>
-          </a:p>
-          <a:p>
-            <a:pPr algn="just">
-              <a:buNone/>
-            </a:pPr>
-            <a:r>
-              <a:rPr lang="pt-BR" dirty="0" smtClean="0">
-                <a:solidFill>
-                  <a:srgbClr val="42607C"/>
-                </a:solidFill>
-              </a:rPr>
-              <a:t>	- Planejamento </a:t>
-            </a:r>
-            <a:r>
-              <a:rPr lang="pt-BR" dirty="0" smtClean="0">
-                <a:solidFill>
-                  <a:srgbClr val="42607C"/>
-                </a:solidFill>
-              </a:rPr>
-              <a:t>e controle das atividades dos membros da equipe</a:t>
-            </a:r>
-            <a:endParaRPr lang="pt-BR" dirty="0" smtClean="0">
+              <a:t>	- Planejamento e controle das atividades dos membros da equipe</a:t>
+            </a:r>
+          </a:p>
+          <a:p>
+            <a:pPr>
+              <a:buFont typeface="Arial" charset="0"/>
+              <a:buNone/>
+            </a:pPr>
+            <a:endParaRPr lang="pt-BR" smtClean="0">
               <a:solidFill>
                 <a:srgbClr val="42607C"/>
               </a:solidFill>
@@ -4408,26 +4360,17 @@
           </a:p>
           <a:p>
             <a:pPr>
-              <a:buNone/>
-            </a:pPr>
-            <a:endParaRPr lang="pt-BR" dirty="0" smtClean="0">
+              <a:buFont typeface="Arial" charset="0"/>
+              <a:buNone/>
+            </a:pPr>
+            <a:endParaRPr lang="pt-BR" smtClean="0">
               <a:solidFill>
                 <a:srgbClr val="42607C"/>
               </a:solidFill>
             </a:endParaRPr>
           </a:p>
           <a:p>
-            <a:pPr>
-              <a:buNone/>
-            </a:pPr>
-            <a:endParaRPr lang="pt-BR" dirty="0" smtClean="0">
-              <a:solidFill>
-                <a:srgbClr val="42607C"/>
-              </a:solidFill>
-            </a:endParaRPr>
-          </a:p>
-          <a:p>
-            <a:endParaRPr lang="fr-FR" dirty="0" smtClean="0">
+            <a:endParaRPr lang="fr-FR" smtClean="0">
               <a:solidFill>
                 <a:srgbClr val="42607C"/>
               </a:solidFill>
@@ -4494,6 +4437,9 @@
           <a:bodyPr/>
           <a:lstStyle/>
           <a:p>
+            <a:pPr>
+              <a:defRPr/>
+            </a:pPr>
             <a:r>
               <a:rPr lang="fr-CA" dirty="0" smtClean="0">
                 <a:solidFill>
@@ -4522,7 +4468,7 @@
       </p:sp>
       <p:sp>
         <p:nvSpPr>
-          <p:cNvPr id="4099" name="Espace réservé du contenu 2"/>
+          <p:cNvPr id="18435" name="Espace réservé du contenu 2"/>
           <p:cNvSpPr>
             <a:spLocks noGrp="1"/>
           </p:cNvSpPr>
@@ -4532,8 +4478,8 @@
         </p:nvSpPr>
         <p:spPr>
           <a:xfrm>
-            <a:off x="214282" y="2643182"/>
-            <a:ext cx="8572560" cy="3597289"/>
+            <a:off x="214313" y="2643188"/>
+            <a:ext cx="8572500" cy="3597275"/>
           </a:xfrm>
         </p:spPr>
         <p:txBody>
@@ -4541,10 +4487,11 @@
           <a:lstStyle/>
           <a:p>
             <a:pPr algn="just">
-              <a:buNone/>
-            </a:pPr>
-            <a:r>
-              <a:rPr lang="pt-BR" dirty="0" smtClean="0">
+              <a:buFont typeface="Arial" charset="0"/>
+              <a:buNone/>
+            </a:pPr>
+            <a:r>
+              <a:rPr lang="pt-BR" smtClean="0">
                 <a:solidFill>
                   <a:srgbClr val="42607C"/>
                 </a:solidFill>
@@ -4552,104 +4499,31 @@
               <a:t>	</a:t>
             </a:r>
             <a:r>
-              <a:rPr lang="pt-BR" sz="2800" dirty="0" smtClean="0">
+              <a:rPr lang="pt-BR" sz="2800" smtClean="0">
                 <a:solidFill>
                   <a:srgbClr val="42607C"/>
                 </a:solidFill>
               </a:rPr>
-              <a:t>Ao chegarmos ao final deste </a:t>
-            </a:r>
-            <a:r>
-              <a:rPr lang="pt-BR" sz="2800" dirty="0" smtClean="0">
-                <a:solidFill>
-                  <a:srgbClr val="42607C"/>
-                </a:solidFill>
-              </a:rPr>
-              <a:t>projeto </a:t>
-            </a:r>
-            <a:r>
-              <a:rPr lang="pt-BR" sz="2800" dirty="0" smtClean="0">
-                <a:solidFill>
-                  <a:srgbClr val="42607C"/>
-                </a:solidFill>
-              </a:rPr>
-              <a:t>analisamos não só os esforços empregados nele, mas também durante todo o curso na universidade. Foi possível utilizar todo </a:t>
-            </a:r>
-            <a:r>
-              <a:rPr lang="pt-BR" sz="2800" dirty="0" smtClean="0">
-                <a:solidFill>
-                  <a:srgbClr val="42607C"/>
-                </a:solidFill>
-              </a:rPr>
-              <a:t>o </a:t>
-            </a:r>
-            <a:r>
-              <a:rPr lang="pt-BR" sz="2800" dirty="0" smtClean="0">
-                <a:solidFill>
-                  <a:srgbClr val="42607C"/>
-                </a:solidFill>
-              </a:rPr>
-              <a:t>conhecimento </a:t>
-            </a:r>
-            <a:r>
-              <a:rPr lang="pt-BR" sz="2800" dirty="0" smtClean="0">
-                <a:solidFill>
-                  <a:srgbClr val="42607C"/>
-                </a:solidFill>
-              </a:rPr>
-              <a:t>adquirido através das disciplinas oferecidas pelo curso. </a:t>
-            </a:r>
-            <a:r>
-              <a:rPr lang="pt-BR" sz="2800" dirty="0" smtClean="0">
-                <a:solidFill>
-                  <a:srgbClr val="42607C"/>
-                </a:solidFill>
-              </a:rPr>
-              <a:t>Trabalhar em equipe foi a chave para o </a:t>
-            </a:r>
-            <a:r>
-              <a:rPr lang="pt-BR" sz="2800" dirty="0" smtClean="0">
-                <a:solidFill>
-                  <a:srgbClr val="42607C"/>
-                </a:solidFill>
-              </a:rPr>
-              <a:t>sucesso deste projeto, </a:t>
-            </a:r>
-            <a:r>
-              <a:rPr lang="pt-BR" sz="2800" dirty="0" smtClean="0">
-                <a:solidFill>
-                  <a:srgbClr val="42607C"/>
-                </a:solidFill>
-              </a:rPr>
-              <a:t>pois cada componente contribuiu com suas habilidades tornando mais fácil a </a:t>
-            </a:r>
-            <a:r>
-              <a:rPr lang="pt-BR" sz="2800" dirty="0" err="1" smtClean="0">
-                <a:solidFill>
-                  <a:srgbClr val="42607C"/>
-                </a:solidFill>
-              </a:rPr>
-              <a:t>a</a:t>
-            </a:r>
-            <a:r>
-              <a:rPr lang="pt-BR" sz="2800" dirty="0" smtClean="0">
-                <a:solidFill>
-                  <a:srgbClr val="42607C"/>
-                </a:solidFill>
-              </a:rPr>
-              <a:t> sua conclusão.</a:t>
-            </a:r>
-            <a:endParaRPr lang="pt-BR" sz="2800" dirty="0" smtClean="0">
+              <a:t>Ao chegarmos ao final deste projeto analisamos não só os esforços empregados nele, mas também durante todo o curso na universidade. Foi possível utilizar todo o conhecimento adquirido através das disciplinas oferecidas pelo curso. Trabalhar em equipe foi a chave para o sucesso deste projeto, pois cada componente contribuiu com suas habilidades tornando mais fácil a a sua conclusão.</a:t>
+            </a:r>
+          </a:p>
+          <a:p>
+            <a:pPr algn="just">
+              <a:buFont typeface="Arial" charset="0"/>
+              <a:buNone/>
+            </a:pPr>
+            <a:endParaRPr lang="pt-BR" smtClean="0">
               <a:solidFill>
                 <a:srgbClr val="42607C"/>
               </a:solidFill>
             </a:endParaRPr>
           </a:p>
           <a:p>
-            <a:pPr algn="just">
-              <a:buNone/>
-            </a:pPr>
-            <a:endParaRPr lang="pt-BR" dirty="0" smtClean="0">
+            <a:pPr>
+              <a:buFont typeface="Arial" charset="0"/>
+              <a:buNone/>
+            </a:pPr>
+            <a:endParaRPr lang="pt-BR" smtClean="0">
               <a:solidFill>
                 <a:srgbClr val="42607C"/>
               </a:solidFill>
@@ -4657,26 +4531,17 @@
           </a:p>
           <a:p>
             <a:pPr>
-              <a:buNone/>
-            </a:pPr>
-            <a:endParaRPr lang="pt-BR" dirty="0" smtClean="0">
+              <a:buFont typeface="Arial" charset="0"/>
+              <a:buNone/>
+            </a:pPr>
+            <a:endParaRPr lang="pt-BR" smtClean="0">
               <a:solidFill>
                 <a:srgbClr val="42607C"/>
               </a:solidFill>
             </a:endParaRPr>
           </a:p>
           <a:p>
-            <a:pPr>
-              <a:buNone/>
-            </a:pPr>
-            <a:endParaRPr lang="pt-BR" dirty="0" smtClean="0">
-              <a:solidFill>
-                <a:srgbClr val="42607C"/>
-              </a:solidFill>
-            </a:endParaRPr>
-          </a:p>
-          <a:p>
-            <a:endParaRPr lang="fr-FR" dirty="0" smtClean="0">
+            <a:endParaRPr lang="fr-FR" smtClean="0">
               <a:solidFill>
                 <a:srgbClr val="42607C"/>
               </a:solidFill>

--- a/6- Gerencia de Projetos/6.5 - Apresentacoes/SGS – SISTEMA DE GESTÃO SOCIAL (03-12).pptx
+++ b/6- Gerencia de Projetos/6.5 - Apresentacoes/SGS – SISTEMA DE GESTÃO SOCIAL (03-12).pptx
@@ -328,12 +328,12 @@
             <a:pPr>
               <a:defRPr/>
             </a:pPr>
-            <a:fld id="{36EDD940-4C30-473F-87F8-452295527358}" type="datetimeFigureOut">
+            <a:fld id="{5B523998-8C5F-4714-8D16-F1EF5DBC19C1}" type="datetimeFigureOut">
               <a:rPr lang="fr-FR"/>
               <a:pPr>
                 <a:defRPr/>
               </a:pPr>
-              <a:t>04/12/2010</a:t>
+              <a:t>05/12/2010</a:t>
             </a:fld>
             <a:endParaRPr lang="fr-FR"/>
           </a:p>
@@ -387,7 +387,7 @@
             <a:pPr>
               <a:defRPr/>
             </a:pPr>
-            <a:fld id="{836F6988-B665-433E-9C5A-3B624AC16299}" type="slidenum">
+            <a:fld id="{4F1B7543-8559-4A63-B47F-CA301DA0A352}" type="slidenum">
               <a:rPr lang="fr-FR"/>
               <a:pPr>
                 <a:defRPr/>
@@ -520,12 +520,12 @@
             <a:pPr>
               <a:defRPr/>
             </a:pPr>
-            <a:fld id="{8D022E5E-4F84-49F3-8B7B-7557F32B7DB5}" type="datetimeFigureOut">
+            <a:fld id="{2AC2E28F-975A-4D07-91C8-4F5E5854BE94}" type="datetimeFigureOut">
               <a:rPr lang="fr-FR"/>
               <a:pPr>
                 <a:defRPr/>
               </a:pPr>
-              <a:t>04/12/2010</a:t>
+              <a:t>05/12/2010</a:t>
             </a:fld>
             <a:endParaRPr lang="fr-FR"/>
           </a:p>
@@ -579,7 +579,7 @@
             <a:pPr>
               <a:defRPr/>
             </a:pPr>
-            <a:fld id="{FDD377CF-E238-4983-9229-56A296A6741A}" type="slidenum">
+            <a:fld id="{10801D6A-8351-440F-8207-B2F8EABACFDA}" type="slidenum">
               <a:rPr lang="fr-FR"/>
               <a:pPr>
                 <a:defRPr/>
@@ -722,12 +722,12 @@
             <a:pPr>
               <a:defRPr/>
             </a:pPr>
-            <a:fld id="{B308D046-E15E-49B2-9B1C-9A5BCD15D51F}" type="datetimeFigureOut">
+            <a:fld id="{9DB32AA8-4682-461B-864C-D59B7E3ECC59}" type="datetimeFigureOut">
               <a:rPr lang="fr-FR"/>
               <a:pPr>
                 <a:defRPr/>
               </a:pPr>
-              <a:t>04/12/2010</a:t>
+              <a:t>05/12/2010</a:t>
             </a:fld>
             <a:endParaRPr lang="fr-FR"/>
           </a:p>
@@ -781,7 +781,7 @@
             <a:pPr>
               <a:defRPr/>
             </a:pPr>
-            <a:fld id="{FBA5A2CF-E908-4464-8588-7D1CD0CD1AFF}" type="slidenum">
+            <a:fld id="{0602B950-23C7-420D-8F25-FBF05E8FA829}" type="slidenum">
               <a:rPr lang="fr-FR"/>
               <a:pPr>
                 <a:defRPr/>
@@ -914,12 +914,12 @@
             <a:pPr>
               <a:defRPr/>
             </a:pPr>
-            <a:fld id="{A6DB54CF-D21B-427E-9545-02E0DD8CDC69}" type="datetimeFigureOut">
+            <a:fld id="{074349AE-16D1-4D08-A336-65FF15E81CBE}" type="datetimeFigureOut">
               <a:rPr lang="fr-FR"/>
               <a:pPr>
                 <a:defRPr/>
               </a:pPr>
-              <a:t>04/12/2010</a:t>
+              <a:t>05/12/2010</a:t>
             </a:fld>
             <a:endParaRPr lang="fr-FR"/>
           </a:p>
@@ -973,7 +973,7 @@
             <a:pPr>
               <a:defRPr/>
             </a:pPr>
-            <a:fld id="{D0272AA7-D8F3-455A-A94B-C201C0998123}" type="slidenum">
+            <a:fld id="{E4645EF1-2624-4C44-8929-AACD0DB10C58}" type="slidenum">
               <a:rPr lang="fr-FR"/>
               <a:pPr>
                 <a:defRPr/>
@@ -1182,12 +1182,12 @@
             <a:pPr>
               <a:defRPr/>
             </a:pPr>
-            <a:fld id="{BB9E5559-0A44-4EEB-978A-E0F62FE238BE}" type="datetimeFigureOut">
+            <a:fld id="{B9CF3B5B-D1BA-4C0A-9431-30E688F33E6B}" type="datetimeFigureOut">
               <a:rPr lang="fr-FR"/>
               <a:pPr>
                 <a:defRPr/>
               </a:pPr>
-              <a:t>04/12/2010</a:t>
+              <a:t>05/12/2010</a:t>
             </a:fld>
             <a:endParaRPr lang="fr-FR"/>
           </a:p>
@@ -1241,7 +1241,7 @@
             <a:pPr>
               <a:defRPr/>
             </a:pPr>
-            <a:fld id="{6339689B-5F4C-4BBA-9391-6FDC90D92D9A}" type="slidenum">
+            <a:fld id="{95724F3A-26A2-43E4-8586-2316AD65F4CC}" type="slidenum">
               <a:rPr lang="fr-FR"/>
               <a:pPr>
                 <a:defRPr/>
@@ -1492,12 +1492,12 @@
             <a:pPr>
               <a:defRPr/>
             </a:pPr>
-            <a:fld id="{C8E71322-74A5-45DE-B153-E581DB68E993}" type="datetimeFigureOut">
+            <a:fld id="{91B82767-BDD5-4227-9263-F80D4746F112}" type="datetimeFigureOut">
               <a:rPr lang="fr-FR"/>
               <a:pPr>
                 <a:defRPr/>
               </a:pPr>
-              <a:t>04/12/2010</a:t>
+              <a:t>05/12/2010</a:t>
             </a:fld>
             <a:endParaRPr lang="fr-FR"/>
           </a:p>
@@ -1551,7 +1551,7 @@
             <a:pPr>
               <a:defRPr/>
             </a:pPr>
-            <a:fld id="{A276A073-7D7E-4040-8106-172C75E956F2}" type="slidenum">
+            <a:fld id="{28587763-A4AE-4E97-8450-E73391FC39A5}" type="slidenum">
               <a:rPr lang="fr-FR"/>
               <a:pPr>
                 <a:defRPr/>
@@ -1936,12 +1936,12 @@
             <a:pPr>
               <a:defRPr/>
             </a:pPr>
-            <a:fld id="{76C6327E-71D0-4DCF-9683-6A5B11FAFDCB}" type="datetimeFigureOut">
+            <a:fld id="{D7E6E8BE-9575-491E-8871-0780AE2B157C}" type="datetimeFigureOut">
               <a:rPr lang="fr-FR"/>
               <a:pPr>
                 <a:defRPr/>
               </a:pPr>
-              <a:t>04/12/2010</a:t>
+              <a:t>05/12/2010</a:t>
             </a:fld>
             <a:endParaRPr lang="fr-FR"/>
           </a:p>
@@ -1995,7 +1995,7 @@
             <a:pPr>
               <a:defRPr/>
             </a:pPr>
-            <a:fld id="{FBF62ED3-4055-4345-B9BC-C8912E6EC090}" type="slidenum">
+            <a:fld id="{488E874A-AA72-4788-A39C-C6CF03E9749A}" type="slidenum">
               <a:rPr lang="fr-FR"/>
               <a:pPr>
                 <a:defRPr/>
@@ -2076,12 +2076,12 @@
             <a:pPr>
               <a:defRPr/>
             </a:pPr>
-            <a:fld id="{F48C6FF3-77C7-4F71-A13F-B99830183B72}" type="datetimeFigureOut">
+            <a:fld id="{37E32DF0-82E7-4BDD-8098-B82E9EAFDC3D}" type="datetimeFigureOut">
               <a:rPr lang="fr-FR"/>
               <a:pPr>
                 <a:defRPr/>
               </a:pPr>
-              <a:t>04/12/2010</a:t>
+              <a:t>05/12/2010</a:t>
             </a:fld>
             <a:endParaRPr lang="fr-FR"/>
           </a:p>
@@ -2135,7 +2135,7 @@
             <a:pPr>
               <a:defRPr/>
             </a:pPr>
-            <a:fld id="{CD1B84E5-F4BD-4868-9DF0-5A45855BAFB9}" type="slidenum">
+            <a:fld id="{3F4CD611-8812-4935-93EF-CB3AB3AAE83C}" type="slidenum">
               <a:rPr lang="fr-FR"/>
               <a:pPr>
                 <a:defRPr/>
@@ -2193,12 +2193,12 @@
             <a:pPr>
               <a:defRPr/>
             </a:pPr>
-            <a:fld id="{04905CC3-7DD9-4619-AE66-AC18A4113A5A}" type="datetimeFigureOut">
+            <a:fld id="{7C7CD8D8-9094-4C61-BD87-50F5302804DE}" type="datetimeFigureOut">
               <a:rPr lang="fr-FR"/>
               <a:pPr>
                 <a:defRPr/>
               </a:pPr>
-              <a:t>04/12/2010</a:t>
+              <a:t>05/12/2010</a:t>
             </a:fld>
             <a:endParaRPr lang="fr-FR"/>
           </a:p>
@@ -2252,7 +2252,7 @@
             <a:pPr>
               <a:defRPr/>
             </a:pPr>
-            <a:fld id="{39B51B3E-8480-4C97-AB37-E61CA36E9C74}" type="slidenum">
+            <a:fld id="{84B4F751-2E3F-4CF6-A384-044754B7FCEA}" type="slidenum">
               <a:rPr lang="fr-FR"/>
               <a:pPr>
                 <a:defRPr/>
@@ -2492,12 +2492,12 @@
             <a:pPr>
               <a:defRPr/>
             </a:pPr>
-            <a:fld id="{708B8F57-F93F-4E94-B434-202F215C7F00}" type="datetimeFigureOut">
+            <a:fld id="{45FDFF0D-F761-46FC-A5FE-A9E9BD54ECDD}" type="datetimeFigureOut">
               <a:rPr lang="fr-FR"/>
               <a:pPr>
                 <a:defRPr/>
               </a:pPr>
-              <a:t>04/12/2010</a:t>
+              <a:t>05/12/2010</a:t>
             </a:fld>
             <a:endParaRPr lang="fr-FR"/>
           </a:p>
@@ -2551,7 +2551,7 @@
             <a:pPr>
               <a:defRPr/>
             </a:pPr>
-            <a:fld id="{49DD47AC-FD6A-4A34-A6CB-A5FB5FE69607}" type="slidenum">
+            <a:fld id="{6FEAE6A8-BF15-43AC-AF6B-8300DA33F18C}" type="slidenum">
               <a:rPr lang="fr-FR"/>
               <a:pPr>
                 <a:defRPr/>
@@ -2774,12 +2774,12 @@
             <a:pPr>
               <a:defRPr/>
             </a:pPr>
-            <a:fld id="{D6AF9710-7559-448D-84BA-3588A5067BC8}" type="datetimeFigureOut">
+            <a:fld id="{EA19E513-DF8C-4429-9591-B01975990A74}" type="datetimeFigureOut">
               <a:rPr lang="fr-FR"/>
               <a:pPr>
                 <a:defRPr/>
               </a:pPr>
-              <a:t>04/12/2010</a:t>
+              <a:t>05/12/2010</a:t>
             </a:fld>
             <a:endParaRPr lang="fr-FR"/>
           </a:p>
@@ -2833,7 +2833,7 @@
             <a:pPr>
               <a:defRPr/>
             </a:pPr>
-            <a:fld id="{963EFAC6-E030-4F3B-8AE2-A6A8CBFB7C6B}" type="slidenum">
+            <a:fld id="{78E1F0AD-8046-4C59-BB46-5609BDB759EE}" type="slidenum">
               <a:rPr lang="fr-FR"/>
               <a:pPr>
                 <a:defRPr/>
@@ -3030,12 +3030,12 @@
             <a:pPr>
               <a:defRPr/>
             </a:pPr>
-            <a:fld id="{9AFB237C-D67F-463C-B568-F80E083C4FE6}" type="datetimeFigureOut">
+            <a:fld id="{D85279CE-BD5D-42C7-AE8D-4BB578228132}" type="datetimeFigureOut">
               <a:rPr lang="fr-FR"/>
               <a:pPr>
                 <a:defRPr/>
               </a:pPr>
-              <a:t>04/12/2010</a:t>
+              <a:t>05/12/2010</a:t>
             </a:fld>
             <a:endParaRPr lang="fr-FR"/>
           </a:p>
@@ -3133,7 +3133,7 @@
             <a:pPr>
               <a:defRPr/>
             </a:pPr>
-            <a:fld id="{63527146-2866-490F-9B43-B57C3BD916AB}" type="slidenum">
+            <a:fld id="{B44B532E-9438-4037-93AB-44BC09853521}" type="slidenum">
               <a:rPr lang="fr-FR"/>
               <a:pPr>
                 <a:defRPr/>
@@ -3162,7 +3162,7 @@
   </p:sldLayoutIdLst>
   <p:txStyles>
     <p:titleStyle>
-      <a:lvl1pPr algn="ctr" rtl="0" fontAlgn="base">
+      <a:lvl1pPr algn="ctr" rtl="0" eaLnBrk="0" fontAlgn="base" hangingPunct="0">
         <a:spcBef>
           <a:spcPct val="0"/>
         </a:spcBef>
@@ -3178,7 +3178,7 @@
           <a:cs typeface="+mj-cs"/>
         </a:defRPr>
       </a:lvl1pPr>
-      <a:lvl2pPr algn="ctr" rtl="0" fontAlgn="base">
+      <a:lvl2pPr algn="ctr" rtl="0" eaLnBrk="0" fontAlgn="base" hangingPunct="0">
         <a:spcBef>
           <a:spcPct val="0"/>
         </a:spcBef>
@@ -3192,7 +3192,7 @@
           <a:latin typeface="Calibri" pitchFamily="34" charset="0"/>
         </a:defRPr>
       </a:lvl2pPr>
-      <a:lvl3pPr algn="ctr" rtl="0" fontAlgn="base">
+      <a:lvl3pPr algn="ctr" rtl="0" eaLnBrk="0" fontAlgn="base" hangingPunct="0">
         <a:spcBef>
           <a:spcPct val="0"/>
         </a:spcBef>
@@ -3206,7 +3206,7 @@
           <a:latin typeface="Calibri" pitchFamily="34" charset="0"/>
         </a:defRPr>
       </a:lvl3pPr>
-      <a:lvl4pPr algn="ctr" rtl="0" fontAlgn="base">
+      <a:lvl4pPr algn="ctr" rtl="0" eaLnBrk="0" fontAlgn="base" hangingPunct="0">
         <a:spcBef>
           <a:spcPct val="0"/>
         </a:spcBef>
@@ -3220,7 +3220,7 @@
           <a:latin typeface="Calibri" pitchFamily="34" charset="0"/>
         </a:defRPr>
       </a:lvl4pPr>
-      <a:lvl5pPr algn="ctr" rtl="0" fontAlgn="base">
+      <a:lvl5pPr algn="ctr" rtl="0" eaLnBrk="0" fontAlgn="base" hangingPunct="0">
         <a:spcBef>
           <a:spcPct val="0"/>
         </a:spcBef>
@@ -3292,7 +3292,7 @@
       </a:lvl9pPr>
     </p:titleStyle>
     <p:bodyStyle>
-      <a:lvl1pPr marL="342900" indent="-342900" algn="l" rtl="0" fontAlgn="base">
+      <a:lvl1pPr marL="342900" indent="-342900" algn="l" rtl="0" eaLnBrk="0" fontAlgn="base" hangingPunct="0">
         <a:spcBef>
           <a:spcPct val="20000"/>
         </a:spcBef>
@@ -3310,7 +3310,7 @@
           <a:cs typeface="+mn-cs"/>
         </a:defRPr>
       </a:lvl1pPr>
-      <a:lvl2pPr marL="742950" indent="-285750" algn="l" rtl="0" fontAlgn="base">
+      <a:lvl2pPr marL="742950" indent="-285750" algn="l" rtl="0" eaLnBrk="0" fontAlgn="base" hangingPunct="0">
         <a:spcBef>
           <a:spcPct val="20000"/>
         </a:spcBef>
@@ -3328,7 +3328,7 @@
           <a:cs typeface="+mn-cs"/>
         </a:defRPr>
       </a:lvl2pPr>
-      <a:lvl3pPr marL="1143000" indent="-228600" algn="l" rtl="0" fontAlgn="base">
+      <a:lvl3pPr marL="1143000" indent="-228600" algn="l" rtl="0" eaLnBrk="0" fontAlgn="base" hangingPunct="0">
         <a:spcBef>
           <a:spcPct val="20000"/>
         </a:spcBef>
@@ -3346,7 +3346,7 @@
           <a:cs typeface="+mn-cs"/>
         </a:defRPr>
       </a:lvl3pPr>
-      <a:lvl4pPr marL="1600200" indent="-228600" algn="l" rtl="0" fontAlgn="base">
+      <a:lvl4pPr marL="1600200" indent="-228600" algn="l" rtl="0" eaLnBrk="0" fontAlgn="base" hangingPunct="0">
         <a:spcBef>
           <a:spcPct val="20000"/>
         </a:spcBef>
@@ -3364,7 +3364,7 @@
           <a:cs typeface="+mn-cs"/>
         </a:defRPr>
       </a:lvl4pPr>
-      <a:lvl5pPr marL="2057400" indent="-228600" algn="l" rtl="0" fontAlgn="base">
+      <a:lvl5pPr marL="2057400" indent="-228600" algn="l" rtl="0" eaLnBrk="0" fontAlgn="base" hangingPunct="0">
         <a:spcBef>
           <a:spcPct val="20000"/>
         </a:spcBef>
@@ -3591,7 +3591,7 @@
           <a:bodyPr/>
           <a:lstStyle/>
           <a:p>
-            <a:pPr>
+            <a:pPr eaLnBrk="1" hangingPunct="1">
               <a:defRPr/>
             </a:pPr>
             <a:r>
@@ -3638,7 +3638,7 @@
         </p:nvSpPr>
         <p:spPr>
           <a:xfrm>
-            <a:off x="785813" y="2643188"/>
+            <a:off x="755650" y="2636838"/>
             <a:ext cx="7572375" cy="1752600"/>
           </a:xfrm>
         </p:spPr>
@@ -3646,7 +3646,7 @@
           <a:bodyPr/>
           <a:lstStyle/>
           <a:p>
-            <a:pPr lvl="1" algn="l">
+            <a:pPr lvl="1" algn="l" eaLnBrk="1" hangingPunct="1">
               <a:buFont typeface="Arno Pro Light Display"/>
               <a:buChar char="–"/>
             </a:pPr>
@@ -3656,11 +3656,11 @@
                   <a:srgbClr val="42607C"/>
                 </a:solidFill>
               </a:rPr>
-              <a:t>JONATHAN GUIMARÃES BUCCAZIO</a:t>
-            </a:r>
-          </a:p>
-          <a:p>
-            <a:pPr lvl="1" algn="l">
+              <a:t> JONATHAN GUIMARÃES BUCCAZIO</a:t>
+            </a:r>
+          </a:p>
+          <a:p>
+            <a:pPr lvl="1" algn="l" eaLnBrk="1" hangingPunct="1">
               <a:buFont typeface="Arno Pro Light Display"/>
               <a:buChar char="–"/>
             </a:pPr>
@@ -3670,11 +3670,11 @@
                   <a:srgbClr val="42607C"/>
                 </a:solidFill>
               </a:rPr>
-              <a:t>LEONARDO ALVES MARTINS</a:t>
-            </a:r>
-          </a:p>
-          <a:p>
-            <a:pPr lvl="1" algn="l">
+              <a:t> LEONARDO ALVES MARTINS</a:t>
+            </a:r>
+          </a:p>
+          <a:p>
+            <a:pPr lvl="1" algn="l" eaLnBrk="1" hangingPunct="1">
               <a:buFont typeface="Arno Pro Light Display"/>
               <a:buChar char="–"/>
             </a:pPr>
@@ -3684,11 +3684,11 @@
                   <a:srgbClr val="42607C"/>
                 </a:solidFill>
               </a:rPr>
-              <a:t>MAYCON SOUZA PIRES DOS SANTOS</a:t>
-            </a:r>
-          </a:p>
-          <a:p>
-            <a:pPr lvl="1" algn="l">
+              <a:t> MAYCON SOUZA PIRES DOS SANTOS</a:t>
+            </a:r>
+          </a:p>
+          <a:p>
+            <a:pPr lvl="1" algn="l" eaLnBrk="1" hangingPunct="1">
               <a:buFont typeface="Arno Pro Light Display"/>
               <a:buChar char="–"/>
             </a:pPr>
@@ -3698,7 +3698,7 @@
                   <a:srgbClr val="42607C"/>
                 </a:solidFill>
               </a:rPr>
-              <a:t>THIAGO PEDROSA ABREU</a:t>
+              <a:t> THIAGO PEDROSA ABREU</a:t>
             </a:r>
           </a:p>
         </p:txBody>
@@ -3759,7 +3759,7 @@
         </p:nvSpPr>
         <p:spPr>
           <a:xfrm>
-            <a:off x="2428875" y="274638"/>
+            <a:off x="2411413" y="260350"/>
             <a:ext cx="6257925" cy="1143000"/>
           </a:xfrm>
         </p:spPr>
@@ -3767,7 +3767,7 @@
           <a:bodyPr/>
           <a:lstStyle/>
           <a:p>
-            <a:pPr algn="l">
+            <a:pPr algn="l" eaLnBrk="1" hangingPunct="1">
               <a:defRPr/>
             </a:pPr>
             <a:r>
@@ -3822,6 +3822,10 @@
           <a:bodyPr/>
           <a:lstStyle/>
           <a:p>
+            <a:pPr eaLnBrk="1" hangingPunct="1">
+              <a:buFont typeface="Wingdings" pitchFamily="2" charset="2"/>
+              <a:buChar char="Ø"/>
+            </a:pPr>
             <a:r>
               <a:rPr lang="fr-FR" smtClean="0">
                 <a:solidFill>
@@ -3832,6 +3836,21 @@
             </a:r>
           </a:p>
           <a:p>
+            <a:pPr eaLnBrk="1" hangingPunct="1">
+              <a:buFont typeface="Wingdings" pitchFamily="2" charset="2"/>
+              <a:buNone/>
+            </a:pPr>
+            <a:endParaRPr lang="fr-FR" smtClean="0">
+              <a:solidFill>
+                <a:srgbClr val="42607C"/>
+              </a:solidFill>
+            </a:endParaRPr>
+          </a:p>
+          <a:p>
+            <a:pPr eaLnBrk="1" hangingPunct="1">
+              <a:buFont typeface="Wingdings" pitchFamily="2" charset="2"/>
+              <a:buChar char="Ø"/>
+            </a:pPr>
             <a:r>
               <a:rPr lang="fr-FR" smtClean="0">
                 <a:solidFill>
@@ -3842,6 +3861,21 @@
             </a:r>
           </a:p>
           <a:p>
+            <a:pPr eaLnBrk="1" hangingPunct="1">
+              <a:buFont typeface="Wingdings" pitchFamily="2" charset="2"/>
+              <a:buNone/>
+            </a:pPr>
+            <a:endParaRPr lang="fr-FR" smtClean="0">
+              <a:solidFill>
+                <a:srgbClr val="42607C"/>
+              </a:solidFill>
+            </a:endParaRPr>
+          </a:p>
+          <a:p>
+            <a:pPr eaLnBrk="1" hangingPunct="1">
+              <a:buFont typeface="Wingdings" pitchFamily="2" charset="2"/>
+              <a:buChar char="Ø"/>
+            </a:pPr>
             <a:r>
               <a:rPr lang="fr-FR" smtClean="0">
                 <a:solidFill>
@@ -3852,6 +3886,21 @@
             </a:r>
           </a:p>
           <a:p>
+            <a:pPr eaLnBrk="1" hangingPunct="1">
+              <a:buFont typeface="Wingdings" pitchFamily="2" charset="2"/>
+              <a:buNone/>
+            </a:pPr>
+            <a:endParaRPr lang="fr-FR" smtClean="0">
+              <a:solidFill>
+                <a:srgbClr val="42607C"/>
+              </a:solidFill>
+            </a:endParaRPr>
+          </a:p>
+          <a:p>
+            <a:pPr eaLnBrk="1" hangingPunct="1">
+              <a:buFont typeface="Wingdings" pitchFamily="2" charset="2"/>
+              <a:buChar char="Ø"/>
+            </a:pPr>
             <a:r>
               <a:rPr lang="fr-FR" smtClean="0">
                 <a:solidFill>
@@ -3922,7 +3971,7 @@
           <a:bodyPr/>
           <a:lstStyle/>
           <a:p>
-            <a:pPr>
+            <a:pPr eaLnBrk="1" hangingPunct="1">
               <a:defRPr/>
             </a:pPr>
             <a:r>
@@ -3971,7 +4020,7 @@
           <a:bodyPr/>
           <a:lstStyle/>
           <a:p>
-            <a:pPr algn="just">
+            <a:pPr algn="just" eaLnBrk="1" hangingPunct="1">
               <a:lnSpc>
                 <a:spcPct val="110000"/>
               </a:lnSpc>
@@ -3988,6 +4037,7 @@
             </a:r>
           </a:p>
           <a:p>
+            <a:pPr eaLnBrk="1" hangingPunct="1"/>
             <a:endParaRPr lang="fr-FR" smtClean="0">
               <a:solidFill>
                 <a:srgbClr val="42607C"/>
@@ -4060,7 +4110,7 @@
           <a:bodyPr/>
           <a:lstStyle/>
           <a:p>
-            <a:pPr>
+            <a:pPr eaLnBrk="1" hangingPunct="1">
               <a:defRPr/>
             </a:pPr>
             <a:r>
@@ -4115,12 +4165,12 @@
           <a:bodyPr/>
           <a:lstStyle/>
           <a:p>
-            <a:pPr algn="just">
+            <a:pPr algn="just" eaLnBrk="1" hangingPunct="1">
               <a:lnSpc>
                 <a:spcPct val="110000"/>
               </a:lnSpc>
-              <a:buFont typeface="Arial" charset="0"/>
-              <a:buNone/>
+              <a:buFont typeface="Wingdings" pitchFamily="2" charset="2"/>
+              <a:buChar char="Ø"/>
             </a:pPr>
             <a:r>
               <a:rPr lang="pt-BR" sz="2800" smtClean="0">
@@ -4128,16 +4178,16 @@
                   <a:srgbClr val="42607C"/>
                 </a:solidFill>
               </a:rPr>
-              <a:t>    - Gerenciamento das atividades da Casa Lar</a:t>
-            </a:r>
-          </a:p>
-          <a:p>
-            <a:pPr algn="just">
+              <a:t>Gerenciamento das atividades da Casa Lar</a:t>
+            </a:r>
+          </a:p>
+          <a:p>
+            <a:pPr algn="just" eaLnBrk="1" hangingPunct="1">
               <a:lnSpc>
                 <a:spcPct val="110000"/>
               </a:lnSpc>
-              <a:buFont typeface="Arial" charset="0"/>
-              <a:buNone/>
+              <a:buFont typeface="Wingdings" pitchFamily="2" charset="2"/>
+              <a:buChar char="Ø"/>
             </a:pPr>
             <a:r>
               <a:rPr lang="pt-BR" sz="2800" smtClean="0">
@@ -4145,16 +4195,16 @@
                   <a:srgbClr val="42607C"/>
                 </a:solidFill>
               </a:rPr>
-              <a:t>	- Gerenciamento dos Assistidos, através de cadastros e consultas.</a:t>
-            </a:r>
-          </a:p>
-          <a:p>
-            <a:pPr algn="just">
+              <a:t>Gerenciamento dos Assistidos, através de cadastros e consultas.</a:t>
+            </a:r>
+          </a:p>
+          <a:p>
+            <a:pPr algn="just" eaLnBrk="1" hangingPunct="1">
               <a:lnSpc>
                 <a:spcPct val="110000"/>
               </a:lnSpc>
-              <a:buFont typeface="Arial" charset="0"/>
-              <a:buNone/>
+              <a:buFont typeface="Wingdings" pitchFamily="2" charset="2"/>
+              <a:buChar char="Ø"/>
             </a:pPr>
             <a:r>
               <a:rPr lang="pt-BR" sz="2800" smtClean="0">
@@ -4162,16 +4212,16 @@
                   <a:srgbClr val="42607C"/>
                 </a:solidFill>
               </a:rPr>
-              <a:t>	- Controle Financeiro e Orçamentário, possibilitando o lançamento de despesas e receitas.</a:t>
-            </a:r>
-          </a:p>
-          <a:p>
-            <a:pPr algn="just">
+              <a:t>Controle Financeiro e Orçamentário, possibilitando o lançamento de despesas e receitas.</a:t>
+            </a:r>
+          </a:p>
+          <a:p>
+            <a:pPr algn="just" eaLnBrk="1" hangingPunct="1">
               <a:lnSpc>
                 <a:spcPct val="110000"/>
               </a:lnSpc>
-              <a:buFont typeface="Arial" charset="0"/>
-              <a:buNone/>
+              <a:buFont typeface="Wingdings" pitchFamily="2" charset="2"/>
+              <a:buChar char="Ø"/>
             </a:pPr>
             <a:r>
               <a:rPr lang="pt-BR" sz="2800" smtClean="0">
@@ -4179,7 +4229,7 @@
                   <a:srgbClr val="42607C"/>
                 </a:solidFill>
               </a:rPr>
-              <a:t>	- Geração de Relatórios de Assistidos e de Finanças.</a:t>
+              <a:t>Geração de Relatórios de Assistidos e de Finanças.</a:t>
             </a:r>
             <a:endParaRPr lang="fr-FR" sz="2800" smtClean="0">
               <a:solidFill>
@@ -4248,7 +4298,7 @@
           <a:bodyPr/>
           <a:lstStyle/>
           <a:p>
-            <a:pPr>
+            <a:pPr eaLnBrk="1" hangingPunct="1">
               <a:defRPr/>
             </a:pPr>
             <a:r>
@@ -4297,12 +4347,12 @@
           <a:bodyPr/>
           <a:lstStyle/>
           <a:p>
-            <a:pPr algn="just">
+            <a:pPr algn="just" eaLnBrk="1" hangingPunct="1">
               <a:lnSpc>
                 <a:spcPct val="110000"/>
               </a:lnSpc>
-              <a:buFont typeface="Arial" charset="0"/>
-              <a:buNone/>
+              <a:buFont typeface="Wingdings" pitchFamily="2" charset="2"/>
+              <a:buChar char="Ø"/>
             </a:pPr>
             <a:r>
               <a:rPr lang="pt-BR" smtClean="0">
@@ -4310,16 +4360,16 @@
                   <a:srgbClr val="42607C"/>
                 </a:solidFill>
               </a:rPr>
-              <a:t>	- Entrevistas com gerentes, funcionários e voluntários de Ações Sociais</a:t>
-            </a:r>
-          </a:p>
-          <a:p>
-            <a:pPr algn="just">
+              <a:t> Entrevistas com gerentes, funcionários e voluntários de Ações Sociais</a:t>
+            </a:r>
+          </a:p>
+          <a:p>
+            <a:pPr algn="just" eaLnBrk="1" hangingPunct="1">
               <a:lnSpc>
                 <a:spcPct val="110000"/>
               </a:lnSpc>
-              <a:buFont typeface="Arial" charset="0"/>
-              <a:buNone/>
+              <a:buFont typeface="Wingdings" pitchFamily="2" charset="2"/>
+              <a:buChar char="Ø"/>
             </a:pPr>
             <a:r>
               <a:rPr lang="pt-BR" smtClean="0">
@@ -4327,16 +4377,16 @@
                   <a:srgbClr val="42607C"/>
                 </a:solidFill>
               </a:rPr>
-              <a:t>	- Realização de diversos tipos de pesquisas (Internet, Estatuto, Sistemas)</a:t>
-            </a:r>
-          </a:p>
-          <a:p>
-            <a:pPr algn="just">
+              <a:t> Realização de diversos tipos de pesquisas (Internet, Estatuto, Sistemas)</a:t>
+            </a:r>
+          </a:p>
+          <a:p>
+            <a:pPr algn="just" eaLnBrk="1" hangingPunct="1">
               <a:lnSpc>
                 <a:spcPct val="110000"/>
               </a:lnSpc>
-              <a:buFont typeface="Arial" charset="0"/>
-              <a:buNone/>
+              <a:buFont typeface="Wingdings" pitchFamily="2" charset="2"/>
+              <a:buChar char="Ø"/>
             </a:pPr>
             <a:r>
               <a:rPr lang="pt-BR" smtClean="0">
@@ -4344,11 +4394,11 @@
                   <a:srgbClr val="42607C"/>
                 </a:solidFill>
               </a:rPr>
-              <a:t>	- Planejamento e controle das atividades dos membros da equipe</a:t>
-            </a:r>
-          </a:p>
-          <a:p>
-            <a:pPr>
+              <a:t> Planejamento e controle das atividades dos membros da equipe</a:t>
+            </a:r>
+          </a:p>
+          <a:p>
+            <a:pPr eaLnBrk="1" hangingPunct="1">
               <a:buFont typeface="Arial" charset="0"/>
               <a:buNone/>
             </a:pPr>
@@ -4359,7 +4409,7 @@
             </a:endParaRPr>
           </a:p>
           <a:p>
-            <a:pPr>
+            <a:pPr eaLnBrk="1" hangingPunct="1">
               <a:buFont typeface="Arial" charset="0"/>
               <a:buNone/>
             </a:pPr>
@@ -4370,6 +4420,7 @@
             </a:endParaRPr>
           </a:p>
           <a:p>
+            <a:pPr eaLnBrk="1" hangingPunct="1"/>
             <a:endParaRPr lang="fr-FR" smtClean="0">
               <a:solidFill>
                 <a:srgbClr val="42607C"/>
@@ -4437,7 +4488,7 @@
           <a:bodyPr/>
           <a:lstStyle/>
           <a:p>
-            <a:pPr>
+            <a:pPr eaLnBrk="1" hangingPunct="1">
               <a:defRPr/>
             </a:pPr>
             <a:r>
@@ -4478,7 +4529,7 @@
         </p:nvSpPr>
         <p:spPr>
           <a:xfrm>
-            <a:off x="214313" y="2643188"/>
+            <a:off x="250825" y="2276475"/>
             <a:ext cx="8572500" cy="3597275"/>
           </a:xfrm>
         </p:spPr>
@@ -4486,7 +4537,7 @@
           <a:bodyPr/>
           <a:lstStyle/>
           <a:p>
-            <a:pPr algn="just">
+            <a:pPr algn="just" eaLnBrk="1" hangingPunct="1">
               <a:buFont typeface="Arial" charset="0"/>
               <a:buNone/>
             </a:pPr>
@@ -4508,7 +4559,7 @@
             </a:r>
           </a:p>
           <a:p>
-            <a:pPr algn="just">
+            <a:pPr algn="just" eaLnBrk="1" hangingPunct="1">
               <a:buFont typeface="Arial" charset="0"/>
               <a:buNone/>
             </a:pPr>
@@ -4519,7 +4570,7 @@
             </a:endParaRPr>
           </a:p>
           <a:p>
-            <a:pPr>
+            <a:pPr eaLnBrk="1" hangingPunct="1">
               <a:buFont typeface="Arial" charset="0"/>
               <a:buNone/>
             </a:pPr>
@@ -4530,7 +4581,7 @@
             </a:endParaRPr>
           </a:p>
           <a:p>
-            <a:pPr>
+            <a:pPr eaLnBrk="1" hangingPunct="1">
               <a:buFont typeface="Arial" charset="0"/>
               <a:buNone/>
             </a:pPr>
@@ -4541,6 +4592,7 @@
             </a:endParaRPr>
           </a:p>
           <a:p>
+            <a:pPr eaLnBrk="1" hangingPunct="1"/>
             <a:endParaRPr lang="fr-FR" smtClean="0">
               <a:solidFill>
                 <a:srgbClr val="42607C"/>
